--- a/Round 1/pranav.pptx
+++ b/Round 1/pranav.pptx
@@ -14839,20 +14839,25 @@
           <a:p>
             <a:r>
               <a:rPr lang="en-US" dirty="0"/>
-              <a:t>In our Solution to this problem, the user will get an easy-to-use environment where he/she can explore various furniture of their requirement.</a:t>
+              <a:t>In our Solution to this problem, the user will get an easy-to-use environment where he/she can explore various furniture and house structure.</a:t>
             </a:r>
           </a:p>
           <a:p>
             <a:r>
               <a:rPr lang="en-IN" dirty="0"/>
-              <a:t>They can choose furniture of their choice and view it Virtually through their Mobile device.</a:t>
+              <a:t>They can view it Virtually through their Mobile device.</a:t>
             </a:r>
           </a:p>
           <a:p>
             <a:r>
               <a:rPr lang="en-IN" dirty="0"/>
-              <a:t>They will also get a cost estimation after they select their desired product.</a:t>
+              <a:t>They will also get a cost estimation of </a:t>
             </a:r>
+            <a:r>
+              <a:rPr lang="en-IN"/>
+              <a:t>their selection.</a:t>
+            </a:r>
+            <a:endParaRPr lang="en-IN" dirty="0"/>
           </a:p>
         </p:txBody>
       </p:sp>
